--- a/2 Tier Architecture.pptx
+++ b/2 Tier Architecture.pptx
@@ -104,6 +104,11 @@
       </a:defRPr>
     </a:lvl9pPr>
   </p:defaultTextStyle>
+  <p:extLst>
+    <p:ext uri="{EFAFB233-063F-42B5-8137-9DF3F51BA10A}">
+      <p15:sldGuideLst xmlns:p15="http://schemas.microsoft.com/office/powerpoint/2012/main"/>
+    </p:ext>
+  </p:extLst>
 </p:presentation>
 </file>
 
@@ -4484,51 +4489,6 @@
           <a:xfrm flipV="1">
             <a:off x="2204557" y="3774819"/>
             <a:ext cx="562014" cy="553197"/>
-          </a:xfrm>
-          <a:prstGeom prst="straightConnector1">
-            <a:avLst/>
-          </a:prstGeom>
-          <a:ln w="12700">
-            <a:solidFill>
-              <a:srgbClr val="545B64"/>
-            </a:solidFill>
-            <a:headEnd type="arrow" w="med" len="sm"/>
-            <a:tailEnd type="arrow" w="med" len="sm"/>
-          </a:ln>
-        </p:spPr>
-        <p:style>
-          <a:lnRef idx="1">
-            <a:schemeClr val="accent1"/>
-          </a:lnRef>
-          <a:fillRef idx="0">
-            <a:schemeClr val="accent1"/>
-          </a:fillRef>
-          <a:effectRef idx="0">
-            <a:schemeClr val="accent1"/>
-          </a:effectRef>
-          <a:fontRef idx="minor">
-            <a:schemeClr val="tx1"/>
-          </a:fontRef>
-        </p:style>
-      </p:cxnSp>
-      <p:cxnSp>
-        <p:nvCxnSpPr>
-          <p:cNvPr id="80" name="Straight Arrow Connector 79">
-            <a:extLst>
-              <a:ext uri="{FF2B5EF4-FFF2-40B4-BE49-F238E27FC236}">
-                <a16:creationId xmlns:a16="http://schemas.microsoft.com/office/drawing/2014/main" id="{759D0525-859E-42A5-B9CA-6D2657E2174A}"/>
-              </a:ext>
-            </a:extLst>
-          </p:cNvPr>
-          <p:cNvCxnSpPr>
-            <a:cxnSpLocks/>
-          </p:cNvCxnSpPr>
-          <p:nvPr/>
-        </p:nvCxnSpPr>
-        <p:spPr>
-          <a:xfrm flipH="1" flipV="1">
-            <a:off x="3733391" y="4551235"/>
-            <a:ext cx="1821645" cy="1"/>
           </a:xfrm>
           <a:prstGeom prst="straightConnector1">
             <a:avLst/>
